--- a/ER図.pptx
+++ b/ER図.pptx
@@ -104,6 +104,11 @@
       </a:defRPr>
     </a:lvl9pPr>
   </p:defaultTextStyle>
+  <p:extLst>
+    <p:ext uri="{EFAFB233-063F-42B5-8137-9DF3F51BA10A}">
+      <p15:sldGuideLst xmlns:p15="http://schemas.microsoft.com/office/powerpoint/2012/main"/>
+    </p:ext>
+  </p:extLst>
 </p:presentation>
 </file>
 
@@ -238,7 +243,7 @@
           <a:p>
             <a:fld id="{43E309ED-AA85-F74E-9F48-30D8F04AECEC}" type="datetimeFigureOut">
               <a:rPr kumimoji="1" lang="ja-JP" altLang="en-US" smtClean="0"/>
-              <a:t>2020/11/25</a:t>
+              <a:t>2020/11/28</a:t>
             </a:fld>
             <a:endParaRPr kumimoji="1" lang="ja-JP" altLang="en-US"/>
           </a:p>
@@ -440,7 +445,7 @@
           <a:p>
             <a:fld id="{43E309ED-AA85-F74E-9F48-30D8F04AECEC}" type="datetimeFigureOut">
               <a:rPr kumimoji="1" lang="ja-JP" altLang="en-US" smtClean="0"/>
-              <a:t>2020/11/25</a:t>
+              <a:t>2020/11/28</a:t>
             </a:fld>
             <a:endParaRPr kumimoji="1" lang="ja-JP" altLang="en-US"/>
           </a:p>
@@ -652,7 +657,7 @@
           <a:p>
             <a:fld id="{43E309ED-AA85-F74E-9F48-30D8F04AECEC}" type="datetimeFigureOut">
               <a:rPr kumimoji="1" lang="ja-JP" altLang="en-US" smtClean="0"/>
-              <a:t>2020/11/25</a:t>
+              <a:t>2020/11/28</a:t>
             </a:fld>
             <a:endParaRPr kumimoji="1" lang="ja-JP" altLang="en-US"/>
           </a:p>
@@ -854,7 +859,7 @@
           <a:p>
             <a:fld id="{43E309ED-AA85-F74E-9F48-30D8F04AECEC}" type="datetimeFigureOut">
               <a:rPr kumimoji="1" lang="ja-JP" altLang="en-US" smtClean="0"/>
-              <a:t>2020/11/25</a:t>
+              <a:t>2020/11/28</a:t>
             </a:fld>
             <a:endParaRPr kumimoji="1" lang="ja-JP" altLang="en-US"/>
           </a:p>
@@ -1098,7 +1103,7 @@
           <a:p>
             <a:fld id="{43E309ED-AA85-F74E-9F48-30D8F04AECEC}" type="datetimeFigureOut">
               <a:rPr kumimoji="1" lang="ja-JP" altLang="en-US" smtClean="0"/>
-              <a:t>2020/11/25</a:t>
+              <a:t>2020/11/28</a:t>
             </a:fld>
             <a:endParaRPr kumimoji="1" lang="ja-JP" altLang="en-US"/>
           </a:p>
@@ -1394,7 +1399,7 @@
           <a:p>
             <a:fld id="{43E309ED-AA85-F74E-9F48-30D8F04AECEC}" type="datetimeFigureOut">
               <a:rPr kumimoji="1" lang="ja-JP" altLang="en-US" smtClean="0"/>
-              <a:t>2020/11/25</a:t>
+              <a:t>2020/11/28</a:t>
             </a:fld>
             <a:endParaRPr kumimoji="1" lang="ja-JP" altLang="en-US"/>
           </a:p>
@@ -1825,7 +1830,7 @@
           <a:p>
             <a:fld id="{43E309ED-AA85-F74E-9F48-30D8F04AECEC}" type="datetimeFigureOut">
               <a:rPr kumimoji="1" lang="ja-JP" altLang="en-US" smtClean="0"/>
-              <a:t>2020/11/25</a:t>
+              <a:t>2020/11/28</a:t>
             </a:fld>
             <a:endParaRPr kumimoji="1" lang="ja-JP" altLang="en-US"/>
           </a:p>
@@ -1943,7 +1948,7 @@
           <a:p>
             <a:fld id="{43E309ED-AA85-F74E-9F48-30D8F04AECEC}" type="datetimeFigureOut">
               <a:rPr kumimoji="1" lang="ja-JP" altLang="en-US" smtClean="0"/>
-              <a:t>2020/11/25</a:t>
+              <a:t>2020/11/28</a:t>
             </a:fld>
             <a:endParaRPr kumimoji="1" lang="ja-JP" altLang="en-US"/>
           </a:p>
@@ -2038,7 +2043,7 @@
           <a:p>
             <a:fld id="{43E309ED-AA85-F74E-9F48-30D8F04AECEC}" type="datetimeFigureOut">
               <a:rPr kumimoji="1" lang="ja-JP" altLang="en-US" smtClean="0"/>
-              <a:t>2020/11/25</a:t>
+              <a:t>2020/11/28</a:t>
             </a:fld>
             <a:endParaRPr kumimoji="1" lang="ja-JP" altLang="en-US"/>
           </a:p>
@@ -2347,7 +2352,7 @@
           <a:p>
             <a:fld id="{43E309ED-AA85-F74E-9F48-30D8F04AECEC}" type="datetimeFigureOut">
               <a:rPr kumimoji="1" lang="ja-JP" altLang="en-US" smtClean="0"/>
-              <a:t>2020/11/25</a:t>
+              <a:t>2020/11/28</a:t>
             </a:fld>
             <a:endParaRPr kumimoji="1" lang="ja-JP" altLang="en-US"/>
           </a:p>
@@ -2604,7 +2609,7 @@
           <a:p>
             <a:fld id="{43E309ED-AA85-F74E-9F48-30D8F04AECEC}" type="datetimeFigureOut">
               <a:rPr kumimoji="1" lang="ja-JP" altLang="en-US" smtClean="0"/>
-              <a:t>2020/11/25</a:t>
+              <a:t>2020/11/28</a:t>
             </a:fld>
             <a:endParaRPr kumimoji="1" lang="ja-JP" altLang="en-US"/>
           </a:p>
@@ -2849,7 +2854,7 @@
           <a:p>
             <a:fld id="{43E309ED-AA85-F74E-9F48-30D8F04AECEC}" type="datetimeFigureOut">
               <a:rPr kumimoji="1" lang="ja-JP" altLang="en-US" smtClean="0"/>
-              <a:t>2020/11/25</a:t>
+              <a:t>2020/11/28</a:t>
             </a:fld>
             <a:endParaRPr kumimoji="1" lang="ja-JP" altLang="en-US"/>
           </a:p>
@@ -3772,14 +3777,14 @@
           <p:nvPr>
             <p:extLst>
               <p:ext uri="{D42A27DB-BD31-4B8C-83A1-F6EECF244321}">
-                <p14:modId xmlns:p14="http://schemas.microsoft.com/office/powerpoint/2010/main" val="1101425977"/>
+                <p14:modId xmlns:p14="http://schemas.microsoft.com/office/powerpoint/2010/main" val="164750365"/>
               </p:ext>
             </p:extLst>
           </p:nvPr>
         </p:nvGraphicFramePr>
         <p:xfrm>
           <a:off x="7032274" y="1435481"/>
-          <a:ext cx="2741327" cy="4389120"/>
+          <a:ext cx="2741327" cy="4937760"/>
         </p:xfrm>
         <a:graphic>
           <a:graphicData uri="http://schemas.openxmlformats.org/drawingml/2006/table">
@@ -4176,6 +4181,68 @@
                 <a:extLst>
                   <a:ext uri="{0D108BD9-81ED-4DB2-BD59-A6C34878D82A}">
                     <a16:rowId xmlns:a16="http://schemas.microsoft.com/office/drawing/2014/main" val="3911262921"/>
+                  </a:ext>
+                </a:extLst>
+              </a:tr>
+              <a:tr h="260016">
+                <a:tc>
+                  <a:txBody>
+                    <a:bodyPr/>
+                    <a:lstStyle/>
+                    <a:p>
+                      <a:endParaRPr kumimoji="1" lang="ja-JP" altLang="en-US" sz="1200"/>
+                    </a:p>
+                  </a:txBody>
+                  <a:tcPr/>
+                </a:tc>
+                <a:tc>
+                  <a:txBody>
+                    <a:bodyPr/>
+                    <a:lstStyle/>
+                    <a:p>
+                      <a:r>
+                        <a:rPr kumimoji="1" lang="en-US" altLang="ja-JP" sz="1200" dirty="0" err="1"/>
+                        <a:t>wifi</a:t>
+                      </a:r>
+                      <a:endParaRPr kumimoji="1" lang="ja-JP" altLang="en-US" sz="1200"/>
+                    </a:p>
+                  </a:txBody>
+                  <a:tcPr/>
+                </a:tc>
+                <a:extLst>
+                  <a:ext uri="{0D108BD9-81ED-4DB2-BD59-A6C34878D82A}">
+                    <a16:rowId xmlns:a16="http://schemas.microsoft.com/office/drawing/2014/main" val="90451336"/>
+                  </a:ext>
+                </a:extLst>
+              </a:tr>
+              <a:tr h="260016">
+                <a:tc>
+                  <a:txBody>
+                    <a:bodyPr/>
+                    <a:lstStyle/>
+                    <a:p>
+                      <a:endParaRPr kumimoji="1" lang="ja-JP" altLang="en-US" sz="1200"/>
+                    </a:p>
+                  </a:txBody>
+                  <a:tcPr/>
+                </a:tc>
+                <a:tc>
+                  <a:txBody>
+                    <a:bodyPr/>
+                    <a:lstStyle/>
+                    <a:p>
+                      <a:r>
+                        <a:rPr kumimoji="1" lang="en-US" altLang="ja-JP" sz="1200"/>
+                        <a:t>power_supply</a:t>
+                      </a:r>
+                      <a:endParaRPr kumimoji="1" lang="ja-JP" altLang="en-US" sz="1200"/>
+                    </a:p>
+                  </a:txBody>
+                  <a:tcPr/>
+                </a:tc>
+                <a:extLst>
+                  <a:ext uri="{0D108BD9-81ED-4DB2-BD59-A6C34878D82A}">
+                    <a16:rowId xmlns:a16="http://schemas.microsoft.com/office/drawing/2014/main" val="2342674160"/>
                   </a:ext>
                 </a:extLst>
               </a:tr>

--- a/ER図.pptx
+++ b/ER図.pptx
@@ -4389,14 +4389,14 @@
           <p:nvPr>
             <p:extLst>
               <p:ext uri="{D42A27DB-BD31-4B8C-83A1-F6EECF244321}">
-                <p14:modId xmlns:p14="http://schemas.microsoft.com/office/powerpoint/2010/main" val="842407293"/>
+                <p14:modId xmlns:p14="http://schemas.microsoft.com/office/powerpoint/2010/main" val="2277147009"/>
               </p:ext>
             </p:extLst>
           </p:nvPr>
         </p:nvGraphicFramePr>
         <p:xfrm>
           <a:off x="3669593" y="1651066"/>
-          <a:ext cx="2566812" cy="1920240"/>
+          <a:ext cx="2566812" cy="2194560"/>
         </p:xfrm>
         <a:graphic>
           <a:graphicData uri="http://schemas.openxmlformats.org/drawingml/2006/table">
@@ -4545,6 +4545,37 @@
                 <a:extLst>
                   <a:ext uri="{0D108BD9-81ED-4DB2-BD59-A6C34878D82A}">
                     <a16:rowId xmlns:a16="http://schemas.microsoft.com/office/drawing/2014/main" val="1960581743"/>
+                  </a:ext>
+                </a:extLst>
+              </a:tr>
+              <a:tr h="161454">
+                <a:tc>
+                  <a:txBody>
+                    <a:bodyPr/>
+                    <a:lstStyle/>
+                    <a:p>
+                      <a:endParaRPr kumimoji="1" lang="ja-JP" altLang="en-US" sz="1200"/>
+                    </a:p>
+                  </a:txBody>
+                  <a:tcPr/>
+                </a:tc>
+                <a:tc>
+                  <a:txBody>
+                    <a:bodyPr/>
+                    <a:lstStyle/>
+                    <a:p>
+                      <a:r>
+                        <a:rPr kumimoji="1" lang="en-US" altLang="ja-JP" sz="1200"/>
+                        <a:t>title</a:t>
+                      </a:r>
+                      <a:endParaRPr kumimoji="1" lang="ja-JP" altLang="en-US" sz="1200"/>
+                    </a:p>
+                  </a:txBody>
+                  <a:tcPr/>
+                </a:tc>
+                <a:extLst>
+                  <a:ext uri="{0D108BD9-81ED-4DB2-BD59-A6C34878D82A}">
+                    <a16:rowId xmlns:a16="http://schemas.microsoft.com/office/drawing/2014/main" val="1572607181"/>
                   </a:ext>
                 </a:extLst>
               </a:tr>
